--- a/MathPath.pptx
+++ b/MathPath.pptx
@@ -10,7 +10,7 @@
   <p:sldIdLst>
     <p:sldId id="256" r:id="rId2"/>
     <p:sldId id="257" r:id="rId3"/>
-    <p:sldId id="258" r:id="rId4"/>
+    <p:sldId id="262" r:id="rId4"/>
     <p:sldId id="259" r:id="rId5"/>
     <p:sldId id="260" r:id="rId6"/>
     <p:sldId id="261" r:id="rId7"/>
@@ -197,7 +197,8 @@
           <a:p>
             <a:fld id="{0DB80109-E575-4A68-A75D-AC7C62B83A35}" type="datetimeFigureOut">
               <a:rPr lang="en-US" smtClean="0"/>
-              <a:t>3/21/2018</a:t>
+              <a:pPr/>
+              <a:t>6/5/2018</a:t>
             </a:fld>
             <a:endParaRPr lang="en-US"/>
           </a:p>
@@ -358,6 +359,7 @@
           <a:p>
             <a:fld id="{A73DAEBF-8D47-4E7E-A8DC-09EA8A69FE5E}" type="slidenum">
               <a:rPr lang="en-US" smtClean="0"/>
+              <a:pPr/>
               <a:t>‹#›</a:t>
             </a:fld>
             <a:endParaRPr lang="en-US"/>
@@ -529,6 +531,7 @@
           <a:p>
             <a:fld id="{A73DAEBF-8D47-4E7E-A8DC-09EA8A69FE5E}" type="slidenum">
               <a:rPr lang="en-US" smtClean="0"/>
+              <a:pPr/>
               <a:t>1</a:t>
             </a:fld>
             <a:endParaRPr lang="en-US"/>
@@ -724,7 +727,8 @@
           <a:p>
             <a:fld id="{9A43D04E-DB6B-40C0-8526-83B72CAB0B24}" type="datetime1">
               <a:rPr lang="en-US" smtClean="0"/>
-              <a:t>3/21/2018</a:t>
+              <a:pPr/>
+              <a:t>6/5/2018</a:t>
             </a:fld>
             <a:endParaRPr lang="en-US"/>
           </a:p>
@@ -770,6 +774,7 @@
           <a:p>
             <a:fld id="{C9590877-BF1C-45C1-97A7-49F3A5D5D192}" type="slidenum">
               <a:rPr lang="en-US" smtClean="0"/>
+              <a:pPr/>
               <a:t>‹#›</a:t>
             </a:fld>
             <a:endParaRPr lang="en-US"/>
@@ -893,7 +898,8 @@
           <a:p>
             <a:fld id="{59A58E33-1809-4E20-B778-A3FBAE66B23E}" type="datetime1">
               <a:rPr lang="en-US" smtClean="0"/>
-              <a:t>3/21/2018</a:t>
+              <a:pPr/>
+              <a:t>6/5/2018</a:t>
             </a:fld>
             <a:endParaRPr lang="en-US"/>
           </a:p>
@@ -939,6 +945,7 @@
           <a:p>
             <a:fld id="{C9590877-BF1C-45C1-97A7-49F3A5D5D192}" type="slidenum">
               <a:rPr lang="en-US" smtClean="0"/>
+              <a:pPr/>
               <a:t>‹#›</a:t>
             </a:fld>
             <a:endParaRPr lang="en-US"/>
@@ -1072,7 +1079,8 @@
           <a:p>
             <a:fld id="{6B0BBBEA-3A2C-468F-A25E-0C35A028C574}" type="datetime1">
               <a:rPr lang="en-US" smtClean="0"/>
-              <a:t>3/21/2018</a:t>
+              <a:pPr/>
+              <a:t>6/5/2018</a:t>
             </a:fld>
             <a:endParaRPr lang="en-US"/>
           </a:p>
@@ -1118,6 +1126,7 @@
           <a:p>
             <a:fld id="{C9590877-BF1C-45C1-97A7-49F3A5D5D192}" type="slidenum">
               <a:rPr lang="en-US" smtClean="0"/>
+              <a:pPr/>
               <a:t>‹#›</a:t>
             </a:fld>
             <a:endParaRPr lang="en-US"/>
@@ -1241,7 +1250,8 @@
           <a:p>
             <a:fld id="{C55FB685-7B17-423C-BE15-3BF483B9D95E}" type="datetime1">
               <a:rPr lang="en-US" smtClean="0"/>
-              <a:t>3/21/2018</a:t>
+              <a:pPr/>
+              <a:t>6/5/2018</a:t>
             </a:fld>
             <a:endParaRPr lang="en-US"/>
           </a:p>
@@ -1287,6 +1297,7 @@
           <a:p>
             <a:fld id="{C9590877-BF1C-45C1-97A7-49F3A5D5D192}" type="slidenum">
               <a:rPr lang="en-US" smtClean="0"/>
+              <a:pPr/>
               <a:t>‹#›</a:t>
             </a:fld>
             <a:endParaRPr lang="en-US"/>
@@ -1486,7 +1497,8 @@
           <a:p>
             <a:fld id="{E8A63192-403B-4D07-B7AD-F509792A63CF}" type="datetime1">
               <a:rPr lang="en-US" smtClean="0"/>
-              <a:t>3/21/2018</a:t>
+              <a:pPr/>
+              <a:t>6/5/2018</a:t>
             </a:fld>
             <a:endParaRPr lang="en-US"/>
           </a:p>
@@ -1532,6 +1544,7 @@
           <a:p>
             <a:fld id="{C9590877-BF1C-45C1-97A7-49F3A5D5D192}" type="slidenum">
               <a:rPr lang="en-US" smtClean="0"/>
+              <a:pPr/>
               <a:t>‹#›</a:t>
             </a:fld>
             <a:endParaRPr lang="en-US"/>
@@ -1773,7 +1786,8 @@
           <a:p>
             <a:fld id="{94A77A2D-93D4-45C4-B3E4-0457048C2815}" type="datetime1">
               <a:rPr lang="en-US" smtClean="0"/>
-              <a:t>3/21/2018</a:t>
+              <a:pPr/>
+              <a:t>6/5/2018</a:t>
             </a:fld>
             <a:endParaRPr lang="en-US"/>
           </a:p>
@@ -1819,6 +1833,7 @@
           <a:p>
             <a:fld id="{C9590877-BF1C-45C1-97A7-49F3A5D5D192}" type="slidenum">
               <a:rPr lang="en-US" smtClean="0"/>
+              <a:pPr/>
               <a:t>‹#›</a:t>
             </a:fld>
             <a:endParaRPr lang="en-US"/>
@@ -2194,7 +2209,8 @@
           <a:p>
             <a:fld id="{668E54BC-F2A4-4A9B-9179-E7D01011C0FD}" type="datetime1">
               <a:rPr lang="en-US" smtClean="0"/>
-              <a:t>3/21/2018</a:t>
+              <a:pPr/>
+              <a:t>6/5/2018</a:t>
             </a:fld>
             <a:endParaRPr lang="en-US"/>
           </a:p>
@@ -2240,6 +2256,7 @@
           <a:p>
             <a:fld id="{C9590877-BF1C-45C1-97A7-49F3A5D5D192}" type="slidenum">
               <a:rPr lang="en-US" smtClean="0"/>
+              <a:pPr/>
               <a:t>‹#›</a:t>
             </a:fld>
             <a:endParaRPr lang="en-US"/>
@@ -2311,7 +2328,8 @@
           <a:p>
             <a:fld id="{CB6E39B3-AF74-4E48-80CE-9C50C19769C8}" type="datetime1">
               <a:rPr lang="en-US" smtClean="0"/>
-              <a:t>3/21/2018</a:t>
+              <a:pPr/>
+              <a:t>6/5/2018</a:t>
             </a:fld>
             <a:endParaRPr lang="en-US"/>
           </a:p>
@@ -2357,6 +2375,7 @@
           <a:p>
             <a:fld id="{C9590877-BF1C-45C1-97A7-49F3A5D5D192}" type="slidenum">
               <a:rPr lang="en-US" smtClean="0"/>
+              <a:pPr/>
               <a:t>‹#›</a:t>
             </a:fld>
             <a:endParaRPr lang="en-US"/>
@@ -2405,7 +2424,8 @@
           <a:p>
             <a:fld id="{CA5F0658-4DCA-4677-9CC1-1E94D10E2AA4}" type="datetime1">
               <a:rPr lang="en-US" smtClean="0"/>
-              <a:t>3/21/2018</a:t>
+              <a:pPr/>
+              <a:t>6/5/2018</a:t>
             </a:fld>
             <a:endParaRPr lang="en-US"/>
           </a:p>
@@ -2451,6 +2471,7 @@
           <a:p>
             <a:fld id="{C9590877-BF1C-45C1-97A7-49F3A5D5D192}" type="slidenum">
               <a:rPr lang="en-US" smtClean="0"/>
+              <a:pPr/>
               <a:t>‹#›</a:t>
             </a:fld>
             <a:endParaRPr lang="en-US"/>
@@ -2681,7 +2702,8 @@
           <a:p>
             <a:fld id="{B3AFB9B0-ACD6-454D-9D8C-374695A705AA}" type="datetime1">
               <a:rPr lang="en-US" smtClean="0"/>
-              <a:t>3/21/2018</a:t>
+              <a:pPr/>
+              <a:t>6/5/2018</a:t>
             </a:fld>
             <a:endParaRPr lang="en-US"/>
           </a:p>
@@ -2727,6 +2749,7 @@
           <a:p>
             <a:fld id="{C9590877-BF1C-45C1-97A7-49F3A5D5D192}" type="slidenum">
               <a:rPr lang="en-US" smtClean="0"/>
+              <a:pPr/>
               <a:t>‹#›</a:t>
             </a:fld>
             <a:endParaRPr lang="en-US"/>
@@ -2933,7 +2956,8 @@
           <a:p>
             <a:fld id="{EA3CCCD2-C21C-4CD6-8A89-B2DD72726FE7}" type="datetime1">
               <a:rPr lang="en-US" smtClean="0"/>
-              <a:t>3/21/2018</a:t>
+              <a:pPr/>
+              <a:t>6/5/2018</a:t>
             </a:fld>
             <a:endParaRPr lang="en-US"/>
           </a:p>
@@ -2979,6 +3003,7 @@
           <a:p>
             <a:fld id="{C9590877-BF1C-45C1-97A7-49F3A5D5D192}" type="slidenum">
               <a:rPr lang="en-US" smtClean="0"/>
+              <a:pPr/>
               <a:t>‹#›</a:t>
             </a:fld>
             <a:endParaRPr lang="en-US"/>
@@ -3145,7 +3170,8 @@
           <a:p>
             <a:fld id="{B2A9AD35-F626-485A-A66B-6749DE17189B}" type="datetime1">
               <a:rPr lang="en-US" smtClean="0"/>
-              <a:t>3/21/2018</a:t>
+              <a:pPr/>
+              <a:t>6/5/2018</a:t>
             </a:fld>
             <a:endParaRPr lang="en-US"/>
           </a:p>
@@ -3227,6 +3253,7 @@
           <a:p>
             <a:fld id="{C9590877-BF1C-45C1-97A7-49F3A5D5D192}" type="slidenum">
               <a:rPr lang="en-US" smtClean="0"/>
+              <a:pPr/>
               <a:t>‹#›</a:t>
             </a:fld>
             <a:endParaRPr lang="en-US"/>
@@ -3568,14 +3595,45 @@
           <a:bodyPr/>
           <a:lstStyle/>
           <a:p>
-            <a:pPr algn="l"/>
             <a:r>
               <a:rPr lang="en-US" dirty="0" smtClean="0"/>
-              <a:t>Simple math solving app</a:t>
-            </a:r>
-            <a:br>
+              <a:t>Andr</a:t>
+            </a:r>
+            <a:r>
               <a:rPr lang="en-US" dirty="0" smtClean="0"/>
-            </a:br>
+              <a:t>oid </a:t>
+            </a:r>
+            <a:r>
+              <a:rPr lang="en-US" dirty="0" err="1" smtClean="0"/>
+              <a:t>igra</a:t>
+            </a:r>
+            <a:r>
+              <a:rPr lang="en-US" dirty="0" smtClean="0"/>
+              <a:t> </a:t>
+            </a:r>
+            <a:r>
+              <a:rPr lang="en-US" dirty="0" err="1" smtClean="0"/>
+              <a:t>za</a:t>
+            </a:r>
+            <a:r>
+              <a:rPr lang="en-US" dirty="0" smtClean="0"/>
+              <a:t> </a:t>
+            </a:r>
+            <a:r>
+              <a:rPr lang="en-US" dirty="0" err="1" smtClean="0"/>
+              <a:t>učenje</a:t>
+            </a:r>
+            <a:r>
+              <a:rPr lang="en-US" dirty="0" smtClean="0"/>
+              <a:t> </a:t>
+            </a:r>
+            <a:r>
+              <a:rPr lang="en-US" dirty="0" err="1" smtClean="0"/>
+              <a:t>matematike</a:t>
+            </a:r>
+            <a:endParaRPr lang="en-US" dirty="0" smtClean="0"/>
+          </a:p>
+          <a:p>
             <a:r>
               <a:rPr lang="en-US" dirty="0" smtClean="0"/>
               <a:t>by </a:t>
@@ -3624,6 +3682,13 @@
   <p:clrMapOvr>
     <a:masterClrMapping/>
   </p:clrMapOvr>
+  <p:timing>
+    <p:tnLst>
+      <p:par>
+        <p:cTn id="1" dur="indefinite" restart="never" nodeType="tmRoot"/>
+      </p:par>
+    </p:tnLst>
+  </p:timing>
 </p:sld>
 </file>
 
@@ -3656,151 +3721,14 @@
         </p:nvSpPr>
         <p:spPr/>
         <p:txBody>
-          <a:bodyPr/>
+          <a:bodyPr>
+            <a:normAutofit/>
+          </a:bodyPr>
           <a:lstStyle/>
           <a:p>
             <a:r>
               <a:rPr lang="en-US" dirty="0" err="1" smtClean="0"/>
-              <a:t>Trenutna</a:t>
-            </a:r>
-            <a:r>
-              <a:rPr lang="en-US" dirty="0" smtClean="0"/>
-              <a:t> </a:t>
-            </a:r>
-            <a:r>
-              <a:rPr lang="en-US" dirty="0" err="1" smtClean="0"/>
-              <a:t>verzija</a:t>
-            </a:r>
-            <a:endParaRPr lang="en-US" dirty="0"/>
-          </a:p>
-        </p:txBody>
-      </p:sp>
-      <p:sp>
-        <p:nvSpPr>
-          <p:cNvPr id="4" name="Footer Placeholder 3"/>
-          <p:cNvSpPr>
-            <a:spLocks noGrp="1"/>
-          </p:cNvSpPr>
-          <p:nvPr>
-            <p:ph type="ftr" sz="quarter" idx="11"/>
-          </p:nvPr>
-        </p:nvSpPr>
-        <p:spPr/>
-        <p:txBody>
-          <a:bodyPr/>
-          <a:lstStyle/>
-          <a:p>
-            <a:r>
-              <a:rPr lang="en-US" smtClean="0"/>
-              <a:t>MathPath</a:t>
-            </a:r>
-            <a:endParaRPr lang="en-US"/>
-          </a:p>
-        </p:txBody>
-      </p:sp>
-      <p:pic>
-        <p:nvPicPr>
-          <p:cNvPr id="1026" name="Picture 2" descr="Z:\home\mat\Downloads\mockup\Screenshot_20180321-164946_pixel_really_blue_portrait.png"/>
-          <p:cNvPicPr>
-            <a:picLocks noChangeAspect="1" noChangeArrowheads="1"/>
-          </p:cNvPicPr>
-          <p:nvPr/>
-        </p:nvPicPr>
-        <p:blipFill>
-          <a:blip r:embed="rId2" cstate="print"/>
-          <a:srcRect/>
-          <a:stretch>
-            <a:fillRect/>
-          </a:stretch>
-        </p:blipFill>
-        <p:spPr bwMode="auto">
-          <a:xfrm>
-            <a:off x="215268" y="1714488"/>
-            <a:ext cx="4785360" cy="4794885"/>
-          </a:xfrm>
-          <a:prstGeom prst="rect">
-            <a:avLst/>
-          </a:prstGeom>
-          <a:noFill/>
-        </p:spPr>
-      </p:pic>
-      <p:pic>
-        <p:nvPicPr>
-          <p:cNvPr id="1028" name="Picture 4" descr="Z:\home\mat\Downloads\mockup\Screenshot_20180321-165126_pixel_really_blue_portrait.png"/>
-          <p:cNvPicPr>
-            <a:picLocks noChangeAspect="1" noChangeArrowheads="1"/>
-          </p:cNvPicPr>
-          <p:nvPr/>
-        </p:nvPicPr>
-        <p:blipFill>
-          <a:blip r:embed="rId3" cstate="print"/>
-          <a:srcRect/>
-          <a:stretch>
-            <a:fillRect/>
-          </a:stretch>
-        </p:blipFill>
-        <p:spPr bwMode="auto">
-          <a:xfrm>
-            <a:off x="4072920" y="1714488"/>
-            <a:ext cx="4785360" cy="4794885"/>
-          </a:xfrm>
-          <a:prstGeom prst="rect">
-            <a:avLst/>
-          </a:prstGeom>
-          <a:noFill/>
-        </p:spPr>
-      </p:pic>
-    </p:spTree>
-  </p:cSld>
-  <p:clrMapOvr>
-    <a:masterClrMapping/>
-  </p:clrMapOvr>
-</p:sld>
-</file>
-
-<file path=ppt/slides/slide3.xml><?xml version="1.0" encoding="utf-8"?>
-<p:sld xmlns:a="http://schemas.openxmlformats.org/drawingml/2006/main" xmlns:r="http://schemas.openxmlformats.org/officeDocument/2006/relationships" xmlns:p="http://schemas.openxmlformats.org/presentationml/2006/main">
-  <p:cSld>
-    <p:spTree>
-      <p:nvGrpSpPr>
-        <p:cNvPr id="1" name=""/>
-        <p:cNvGrpSpPr/>
-        <p:nvPr/>
-      </p:nvGrpSpPr>
-      <p:grpSpPr>
-        <a:xfrm>
-          <a:off x="0" y="0"/>
-          <a:ext cx="0" cy="0"/>
-          <a:chOff x="0" y="0"/>
-          <a:chExt cx="0" cy="0"/>
-        </a:xfrm>
-      </p:grpSpPr>
-      <p:sp>
-        <p:nvSpPr>
-          <p:cNvPr id="2" name="Title 1"/>
-          <p:cNvSpPr>
-            <a:spLocks noGrp="1"/>
-          </p:cNvSpPr>
-          <p:nvPr>
-            <p:ph type="title"/>
-          </p:nvPr>
-        </p:nvSpPr>
-        <p:spPr/>
-        <p:txBody>
-          <a:bodyPr/>
-          <a:lstStyle/>
-          <a:p>
-            <a:r>
-              <a:rPr lang="en-US" dirty="0" err="1" smtClean="0"/>
-              <a:t>Trenutna</a:t>
-            </a:r>
-            <a:r>
-              <a:rPr lang="en-US" dirty="0" smtClean="0"/>
-              <a:t> </a:t>
-            </a:r>
-            <a:r>
-              <a:rPr lang="en-US" dirty="0" err="1" smtClean="0"/>
-              <a:t>verzija</a:t>
+              <a:t>Izgled</a:t>
             </a:r>
             <a:endParaRPr lang="en-US" dirty="0"/>
           </a:p>
@@ -3845,8 +3773,8 @@
         </p:blipFill>
         <p:spPr bwMode="auto">
           <a:xfrm>
-            <a:off x="215268" y="1714488"/>
-            <a:ext cx="4785360" cy="4794884"/>
+            <a:off x="-857288" y="1714488"/>
+            <a:ext cx="4785360" cy="4785360"/>
           </a:xfrm>
           <a:prstGeom prst="rect">
             <a:avLst/>
@@ -3870,8 +3798,33 @@
         </p:blipFill>
         <p:spPr bwMode="auto">
           <a:xfrm>
-            <a:off x="4072920" y="1714488"/>
-            <a:ext cx="4785360" cy="4794884"/>
+            <a:off x="5214942" y="1719250"/>
+            <a:ext cx="4785360" cy="4785360"/>
+          </a:xfrm>
+          <a:prstGeom prst="rect">
+            <a:avLst/>
+          </a:prstGeom>
+          <a:noFill/>
+        </p:spPr>
+      </p:pic>
+      <p:pic>
+        <p:nvPicPr>
+          <p:cNvPr id="6" name="Picture 2" descr="Z:\home\mat\Downloads\mockup\Screenshot_20180321-164946_pixel_really_blue_portrait.png"/>
+          <p:cNvPicPr>
+            <a:picLocks noChangeAspect="1" noChangeArrowheads="1"/>
+          </p:cNvPicPr>
+          <p:nvPr/>
+        </p:nvPicPr>
+        <p:blipFill>
+          <a:blip r:embed="rId4" cstate="print"/>
+          <a:stretch>
+            <a:fillRect/>
+          </a:stretch>
+        </p:blipFill>
+        <p:spPr bwMode="auto">
+          <a:xfrm>
+            <a:off x="2214546" y="1714488"/>
+            <a:ext cx="4785360" cy="4785360"/>
           </a:xfrm>
           <a:prstGeom prst="rect">
             <a:avLst/>
@@ -3884,6 +3837,168 @@
   <p:clrMapOvr>
     <a:masterClrMapping/>
   </p:clrMapOvr>
+  <p:timing>
+    <p:tnLst>
+      <p:par>
+        <p:cTn id="1" dur="indefinite" restart="never" nodeType="tmRoot"/>
+      </p:par>
+    </p:tnLst>
+  </p:timing>
+</p:sld>
+</file>
+
+<file path=ppt/slides/slide3.xml><?xml version="1.0" encoding="utf-8"?>
+<p:sld xmlns:a="http://schemas.openxmlformats.org/drawingml/2006/main" xmlns:r="http://schemas.openxmlformats.org/officeDocument/2006/relationships" xmlns:p="http://schemas.openxmlformats.org/presentationml/2006/main">
+  <p:cSld>
+    <p:spTree>
+      <p:nvGrpSpPr>
+        <p:cNvPr id="1" name=""/>
+        <p:cNvGrpSpPr/>
+        <p:nvPr/>
+      </p:nvGrpSpPr>
+      <p:grpSpPr>
+        <a:xfrm>
+          <a:off x="0" y="0"/>
+          <a:ext cx="0" cy="0"/>
+          <a:chOff x="0" y="0"/>
+          <a:chExt cx="0" cy="0"/>
+        </a:xfrm>
+      </p:grpSpPr>
+      <p:sp>
+        <p:nvSpPr>
+          <p:cNvPr id="2" name="Title 1"/>
+          <p:cNvSpPr>
+            <a:spLocks noGrp="1"/>
+          </p:cNvSpPr>
+          <p:nvPr>
+            <p:ph type="title"/>
+          </p:nvPr>
+        </p:nvSpPr>
+        <p:spPr/>
+        <p:txBody>
+          <a:bodyPr>
+            <a:normAutofit/>
+          </a:bodyPr>
+          <a:lstStyle/>
+          <a:p>
+            <a:r>
+              <a:rPr lang="en-US" dirty="0" err="1" smtClean="0"/>
+              <a:t>Izgled</a:t>
+            </a:r>
+            <a:endParaRPr lang="en-US" dirty="0"/>
+          </a:p>
+        </p:txBody>
+      </p:sp>
+      <p:sp>
+        <p:nvSpPr>
+          <p:cNvPr id="4" name="Footer Placeholder 3"/>
+          <p:cNvSpPr>
+            <a:spLocks noGrp="1"/>
+          </p:cNvSpPr>
+          <p:nvPr>
+            <p:ph type="ftr" sz="quarter" idx="11"/>
+          </p:nvPr>
+        </p:nvSpPr>
+        <p:spPr/>
+        <p:txBody>
+          <a:bodyPr/>
+          <a:lstStyle/>
+          <a:p>
+            <a:r>
+              <a:rPr lang="en-US" smtClean="0"/>
+              <a:t>MathPath</a:t>
+            </a:r>
+            <a:endParaRPr lang="en-US"/>
+          </a:p>
+        </p:txBody>
+      </p:sp>
+      <p:pic>
+        <p:nvPicPr>
+          <p:cNvPr id="1026" name="Picture 2" descr="Z:\home\mat\Downloads\mockup\Screenshot_20180321-164946_pixel_really_blue_portrait.png"/>
+          <p:cNvPicPr>
+            <a:picLocks noChangeAspect="1" noChangeArrowheads="1"/>
+          </p:cNvPicPr>
+          <p:nvPr/>
+        </p:nvPicPr>
+        <p:blipFill>
+          <a:blip r:embed="rId2" cstate="print"/>
+          <a:stretch>
+            <a:fillRect/>
+          </a:stretch>
+        </p:blipFill>
+        <p:spPr bwMode="auto">
+          <a:xfrm>
+            <a:off x="-857288" y="1714488"/>
+            <a:ext cx="4785360" cy="4785360"/>
+          </a:xfrm>
+          <a:prstGeom prst="rect">
+            <a:avLst/>
+          </a:prstGeom>
+          <a:noFill/>
+        </p:spPr>
+      </p:pic>
+      <p:pic>
+        <p:nvPicPr>
+          <p:cNvPr id="1028" name="Picture 4" descr="Z:\home\mat\Downloads\mockup\Screenshot_20180321-165126_pixel_really_blue_portrait.png"/>
+          <p:cNvPicPr>
+            <a:picLocks noChangeAspect="1" noChangeArrowheads="1"/>
+          </p:cNvPicPr>
+          <p:nvPr/>
+        </p:nvPicPr>
+        <p:blipFill>
+          <a:blip r:embed="rId3" cstate="print"/>
+          <a:stretch>
+            <a:fillRect/>
+          </a:stretch>
+        </p:blipFill>
+        <p:spPr bwMode="auto">
+          <a:xfrm>
+            <a:off x="5214942" y="1719250"/>
+            <a:ext cx="4785360" cy="4785360"/>
+          </a:xfrm>
+          <a:prstGeom prst="rect">
+            <a:avLst/>
+          </a:prstGeom>
+          <a:noFill/>
+        </p:spPr>
+      </p:pic>
+      <p:pic>
+        <p:nvPicPr>
+          <p:cNvPr id="6" name="Picture 2" descr="Z:\home\mat\Downloads\mockup\Screenshot_20180321-164946_pixel_really_blue_portrait.png"/>
+          <p:cNvPicPr>
+            <a:picLocks noChangeAspect="1" noChangeArrowheads="1"/>
+          </p:cNvPicPr>
+          <p:nvPr/>
+        </p:nvPicPr>
+        <p:blipFill>
+          <a:blip r:embed="rId4" cstate="print"/>
+          <a:stretch>
+            <a:fillRect/>
+          </a:stretch>
+        </p:blipFill>
+        <p:spPr bwMode="auto">
+          <a:xfrm>
+            <a:off x="2214546" y="1714488"/>
+            <a:ext cx="4785360" cy="4785360"/>
+          </a:xfrm>
+          <a:prstGeom prst="rect">
+            <a:avLst/>
+          </a:prstGeom>
+          <a:noFill/>
+        </p:spPr>
+      </p:pic>
+    </p:spTree>
+  </p:cSld>
+  <p:clrMapOvr>
+    <a:masterClrMapping/>
+  </p:clrMapOvr>
+  <p:timing>
+    <p:tnLst>
+      <p:par>
+        <p:cTn id="1" dur="indefinite" restart="never" nodeType="tmRoot"/>
+      </p:par>
+    </p:tnLst>
+  </p:timing>
 </p:sld>
 </file>
 
@@ -3921,30 +4036,7 @@
           <a:p>
             <a:r>
               <a:rPr lang="en-US" dirty="0" err="1" smtClean="0"/>
-              <a:t>Dorade</a:t>
-            </a:r>
-            <a:endParaRPr lang="en-US" dirty="0"/>
-          </a:p>
-        </p:txBody>
-      </p:sp>
-      <p:sp>
-        <p:nvSpPr>
-          <p:cNvPr id="3" name="Content Placeholder 2"/>
-          <p:cNvSpPr>
-            <a:spLocks noGrp="1"/>
-          </p:cNvSpPr>
-          <p:nvPr>
-            <p:ph idx="1"/>
-          </p:nvPr>
-        </p:nvSpPr>
-        <p:spPr/>
-        <p:txBody>
-          <a:bodyPr/>
-          <a:lstStyle/>
-          <a:p>
-            <a:r>
-              <a:rPr lang="en-US" dirty="0" err="1" smtClean="0"/>
-              <a:t>Vizualne</a:t>
+              <a:t>Daljnji</a:t>
             </a:r>
             <a:r>
               <a:rPr lang="en-US" dirty="0" smtClean="0"/>
@@ -3952,106 +4044,258 @@
             </a:r>
             <a:r>
               <a:rPr lang="en-US" dirty="0" err="1" smtClean="0"/>
-              <a:t>promjene</a:t>
-            </a:r>
-            <a:r>
-              <a:rPr lang="en-US" dirty="0" smtClean="0"/>
-              <a:t> (font, </a:t>
-            </a:r>
-            <a:r>
-              <a:rPr lang="en-US" dirty="0" err="1" smtClean="0"/>
-              <a:t>grafovi</a:t>
-            </a:r>
-            <a:r>
-              <a:rPr lang="en-US" dirty="0" smtClean="0"/>
-              <a:t>, </a:t>
-            </a:r>
-            <a:r>
-              <a:rPr lang="en-US" dirty="0" err="1" smtClean="0"/>
-              <a:t>personalizacija</a:t>
-            </a:r>
-            <a:r>
-              <a:rPr lang="en-US" dirty="0" smtClean="0"/>
+              <a:t>razvoj</a:t>
+            </a:r>
+            <a:endParaRPr lang="en-US" dirty="0"/>
+          </a:p>
+        </p:txBody>
+      </p:sp>
+      <p:sp>
+        <p:nvSpPr>
+          <p:cNvPr id="3" name="Content Placeholder 2"/>
+          <p:cNvSpPr>
+            <a:spLocks noGrp="1"/>
+          </p:cNvSpPr>
+          <p:nvPr>
+            <p:ph idx="1"/>
+          </p:nvPr>
+        </p:nvSpPr>
+        <p:spPr/>
+        <p:txBody>
+          <a:bodyPr/>
+          <a:lstStyle/>
+          <a:p>
+            <a:r>
+              <a:rPr lang="en-US" sz="2400" dirty="0" err="1" smtClean="0"/>
+              <a:t>Više</a:t>
+            </a:r>
+            <a:r>
+              <a:rPr lang="en-US" sz="2400" dirty="0" smtClean="0"/>
+              <a:t> </a:t>
+            </a:r>
+            <a:r>
+              <a:rPr lang="en-US" sz="2400" dirty="0" err="1" smtClean="0"/>
+              <a:t>stvari</a:t>
+            </a:r>
+            <a:r>
+              <a:rPr lang="en-US" sz="2400" dirty="0" smtClean="0"/>
+              <a:t> </a:t>
+            </a:r>
+            <a:r>
+              <a:rPr lang="en-US" sz="2400" dirty="0" err="1" smtClean="0"/>
+              <a:t>za</a:t>
+            </a:r>
+            <a:r>
+              <a:rPr lang="en-US" sz="2400" dirty="0" smtClean="0"/>
+              <a:t> </a:t>
+            </a:r>
+            <a:r>
+              <a:rPr lang="en-US" sz="2400" dirty="0" err="1" smtClean="0"/>
+              <a:t>kupiti</a:t>
+            </a:r>
+            <a:r>
+              <a:rPr lang="en-US" sz="2400" dirty="0" smtClean="0"/>
+              <a:t> (</a:t>
+            </a:r>
+            <a:r>
+              <a:rPr lang="en-US" sz="2400" dirty="0" err="1" smtClean="0"/>
+              <a:t>skinovi</a:t>
+            </a:r>
+            <a:r>
+              <a:rPr lang="en-US" sz="2400" dirty="0" smtClean="0"/>
               <a:t>)</a:t>
             </a:r>
-          </a:p>
-          <a:p>
-            <a:r>
-              <a:rPr lang="en-US" dirty="0" smtClean="0"/>
-              <a:t>AI </a:t>
-            </a:r>
-            <a:r>
-              <a:rPr lang="en-US" dirty="0" err="1" smtClean="0"/>
-              <a:t>algoritam</a:t>
-            </a:r>
-            <a:r>
-              <a:rPr lang="en-US" dirty="0" smtClean="0"/>
+            <a:endParaRPr lang="en-US" sz="2400" dirty="0" smtClean="0"/>
+          </a:p>
+          <a:p>
+            <a:r>
+              <a:rPr lang="en-US" sz="2400" dirty="0" err="1" smtClean="0"/>
+              <a:t>Ponavljanje</a:t>
+            </a:r>
+            <a:r>
+              <a:rPr lang="en-US" sz="2400" dirty="0" smtClean="0"/>
               <a:t> </a:t>
             </a:r>
             <a:r>
-              <a:rPr lang="en-US" dirty="0" err="1" smtClean="0"/>
-              <a:t>za</a:t>
-            </a:r>
-            <a:r>
-              <a:rPr lang="en-US" dirty="0" smtClean="0"/>
+              <a:rPr lang="en-US" sz="2400" dirty="0" err="1" smtClean="0"/>
+              <a:t>krivo</a:t>
+            </a:r>
+            <a:r>
+              <a:rPr lang="en-US" sz="2400" dirty="0" smtClean="0"/>
               <a:t> </a:t>
             </a:r>
             <a:r>
-              <a:rPr lang="en-US" dirty="0" err="1" smtClean="0"/>
-              <a:t>generiranje</a:t>
-            </a:r>
-            <a:r>
-              <a:rPr lang="en-US" dirty="0"/>
+              <a:rPr lang="en-US" sz="2400" dirty="0" err="1" smtClean="0"/>
+              <a:t>riješenih</a:t>
+            </a:r>
+            <a:r>
+              <a:rPr lang="en-US" sz="2400" dirty="0" smtClean="0"/>
               <a:t> </a:t>
             </a:r>
             <a:r>
-              <a:rPr lang="en-US" dirty="0" err="1" smtClean="0"/>
+              <a:rPr lang="en-US" sz="2400" dirty="0" err="1" smtClean="0"/>
+              <a:t>zadataka</a:t>
+            </a:r>
+            <a:r>
+              <a:rPr lang="en-US" sz="2400" dirty="0" smtClean="0"/>
+              <a:t> </a:t>
+            </a:r>
+            <a:r>
+              <a:rPr lang="en-US" sz="2400" dirty="0" err="1" smtClean="0"/>
+              <a:t>uz</a:t>
+            </a:r>
+            <a:r>
+              <a:rPr lang="en-US" sz="2400" dirty="0" smtClean="0"/>
+              <a:t> </a:t>
+            </a:r>
+            <a:r>
+              <a:rPr lang="en-US" sz="2400" dirty="0" err="1" smtClean="0"/>
+              <a:t>dodatne</a:t>
+            </a:r>
+            <a:r>
+              <a:rPr lang="en-US" sz="2400" dirty="0" smtClean="0"/>
+              <a:t> </a:t>
+            </a:r>
+            <a:r>
+              <a:rPr lang="en-US" sz="2400" dirty="0" err="1" smtClean="0"/>
+              <a:t>savjete</a:t>
+            </a:r>
+            <a:endParaRPr lang="en-US" sz="2400" dirty="0" smtClean="0"/>
+          </a:p>
+          <a:p>
+            <a:r>
+              <a:rPr lang="en-US" sz="2400" dirty="0" err="1" smtClean="0"/>
+              <a:t>Animacije</a:t>
+            </a:r>
+            <a:r>
+              <a:rPr lang="en-US" sz="2400" dirty="0" smtClean="0"/>
+              <a:t> </a:t>
+            </a:r>
+            <a:r>
+              <a:rPr lang="en-US" sz="2400" dirty="0" err="1" smtClean="0"/>
               <a:t>i</a:t>
             </a:r>
             <a:r>
-              <a:rPr lang="en-US" dirty="0" smtClean="0"/>
+              <a:rPr lang="en-US" sz="2400" dirty="0" smtClean="0"/>
               <a:t> </a:t>
             </a:r>
             <a:r>
-              <a:rPr lang="en-US" dirty="0" err="1" smtClean="0"/>
-              <a:t>ponavljanje</a:t>
-            </a:r>
-            <a:r>
-              <a:rPr lang="en-US" dirty="0" smtClean="0"/>
+              <a:rPr lang="en-US" sz="2400" dirty="0" err="1" smtClean="0"/>
+              <a:t>interakcija</a:t>
+            </a:r>
+            <a:endParaRPr lang="en-US" sz="2400" dirty="0" smtClean="0"/>
+          </a:p>
+          <a:p>
+            <a:r>
+              <a:rPr lang="en-US" sz="2400" dirty="0" smtClean="0"/>
+              <a:t>Tip </a:t>
+            </a:r>
+            <a:r>
+              <a:rPr lang="en-US" sz="2400" dirty="0" err="1" smtClean="0"/>
+              <a:t>igre</a:t>
+            </a:r>
+            <a:r>
+              <a:rPr lang="en-US" sz="2400" dirty="0" smtClean="0"/>
               <a:t> </a:t>
             </a:r>
             <a:r>
-              <a:rPr lang="en-US" dirty="0" err="1" smtClean="0"/>
-              <a:t>zadataka</a:t>
-            </a:r>
-            <a:endParaRPr lang="en-US" dirty="0" smtClean="0"/>
-          </a:p>
-          <a:p>
-            <a:r>
-              <a:rPr lang="en-US" dirty="0" err="1" smtClean="0"/>
-              <a:t>Poboljšani</a:t>
-            </a:r>
-            <a:r>
-              <a:rPr lang="en-US" dirty="0" smtClean="0"/>
-              <a:t> UX (</a:t>
-            </a:r>
-            <a:r>
-              <a:rPr lang="en-US" dirty="0" err="1" smtClean="0"/>
-              <a:t>metoda</a:t>
-            </a:r>
-            <a:r>
-              <a:rPr lang="en-US" dirty="0" smtClean="0"/>
+              <a:rPr lang="en-US" sz="2400" dirty="0" err="1" smtClean="0"/>
+              <a:t>na</a:t>
+            </a:r>
+            <a:r>
+              <a:rPr lang="en-US" sz="2400" dirty="0" smtClean="0"/>
               <a:t> </a:t>
             </a:r>
             <a:r>
-              <a:rPr lang="en-US" dirty="0" err="1" smtClean="0"/>
-              <a:t>nagrađivanja</a:t>
-            </a:r>
-            <a:r>
-              <a:rPr lang="en-US" dirty="0" smtClean="0"/>
-              <a:t>)</a:t>
-            </a:r>
-            <a:endParaRPr lang="en-US" dirty="0"/>
+              <a:rPr lang="en-US" sz="2400" dirty="0" err="1" smtClean="0"/>
+              <a:t>odabir</a:t>
+            </a:r>
+            <a:r>
+              <a:rPr lang="en-US" sz="2400" dirty="0" smtClean="0"/>
+              <a:t> </a:t>
+            </a:r>
+            <a:r>
+              <a:rPr lang="en-US" sz="2400" dirty="0" err="1" smtClean="0"/>
+              <a:t>jednog</a:t>
+            </a:r>
+            <a:r>
+              <a:rPr lang="en-US" sz="2400" dirty="0" smtClean="0"/>
+              <a:t> </a:t>
+            </a:r>
+            <a:r>
+              <a:rPr lang="en-US" sz="2400" dirty="0" err="1" smtClean="0"/>
+              <a:t>od</a:t>
+            </a:r>
+            <a:r>
+              <a:rPr lang="en-US" sz="2400" dirty="0" smtClean="0"/>
+              <a:t> </a:t>
+            </a:r>
+            <a:r>
+              <a:rPr lang="en-US" sz="2400" dirty="0" err="1" smtClean="0"/>
+              <a:t>ponuđenih</a:t>
+            </a:r>
+            <a:r>
+              <a:rPr lang="en-US" sz="2400" dirty="0" smtClean="0"/>
+              <a:t> </a:t>
+            </a:r>
+            <a:r>
+              <a:rPr lang="en-US" sz="2400" dirty="0" err="1" smtClean="0"/>
+              <a:t>rješenja</a:t>
+            </a:r>
+            <a:r>
+              <a:rPr lang="en-US" sz="2400" dirty="0" smtClean="0"/>
+              <a:t> + mix </a:t>
+            </a:r>
+            <a:r>
+              <a:rPr lang="en-US" sz="2400" dirty="0" err="1" smtClean="0"/>
+              <a:t>svih</a:t>
+            </a:r>
+            <a:r>
+              <a:rPr lang="en-US" sz="2400" dirty="0" smtClean="0"/>
+              <a:t> </a:t>
+            </a:r>
+            <a:r>
+              <a:rPr lang="en-US" sz="2400" dirty="0" err="1" smtClean="0"/>
+              <a:t>tipova</a:t>
+            </a:r>
+            <a:endParaRPr lang="en-US" sz="2400" dirty="0"/>
+          </a:p>
+          <a:p>
+            <a:r>
+              <a:rPr lang="en-US" sz="2400" dirty="0" err="1" smtClean="0"/>
+              <a:t>Naprednije</a:t>
+            </a:r>
+            <a:r>
+              <a:rPr lang="en-US" sz="2400" dirty="0" smtClean="0"/>
+              <a:t> </a:t>
+            </a:r>
+            <a:r>
+              <a:rPr lang="en-US" sz="2400" dirty="0" err="1" smtClean="0"/>
+              <a:t>jednadžbe</a:t>
+            </a:r>
+            <a:endParaRPr lang="en-US" sz="2400" dirty="0" smtClean="0"/>
+          </a:p>
+          <a:p>
+            <a:r>
+              <a:rPr lang="en-US" sz="2400" dirty="0" err="1" smtClean="0"/>
+              <a:t>Više</a:t>
+            </a:r>
+            <a:r>
+              <a:rPr lang="en-US" sz="2400" dirty="0" smtClean="0"/>
+              <a:t> </a:t>
+            </a:r>
+            <a:r>
+              <a:rPr lang="en-US" sz="2400" dirty="0" err="1" smtClean="0"/>
+              <a:t>statistika</a:t>
+            </a:r>
+            <a:endParaRPr lang="en-US" sz="2400" dirty="0" smtClean="0"/>
+          </a:p>
+          <a:p>
+            <a:r>
+              <a:rPr lang="en-US" sz="2400" dirty="0" err="1" smtClean="0"/>
+              <a:t>Achievementsi</a:t>
+            </a:r>
+            <a:endParaRPr lang="en-US" sz="2400" dirty="0" smtClean="0"/>
           </a:p>
         </p:txBody>
       </p:sp>
@@ -4083,6 +4327,13 @@
   <p:clrMapOvr>
     <a:masterClrMapping/>
   </p:clrMapOvr>
+  <p:timing>
+    <p:tnLst>
+      <p:par>
+        <p:cTn id="1" dur="indefinite" restart="never" nodeType="tmRoot"/>
+      </p:par>
+    </p:tnLst>
+  </p:timing>
 </p:sld>
 </file>
 
@@ -4246,6 +4497,13 @@
   <p:clrMapOvr>
     <a:masterClrMapping/>
   </p:clrMapOvr>
+  <p:timing>
+    <p:tnLst>
+      <p:par>
+        <p:cTn id="1" dur="indefinite" restart="never" nodeType="tmRoot"/>
+      </p:par>
+    </p:tnLst>
+  </p:timing>
 </p:sld>
 </file>
 
@@ -4338,6 +4596,13 @@
   <p:clrMapOvr>
     <a:masterClrMapping/>
   </p:clrMapOvr>
+  <p:timing>
+    <p:tnLst>
+      <p:par>
+        <p:cTn id="1" dur="indefinite" restart="never" nodeType="tmRoot"/>
+      </p:par>
+    </p:tnLst>
+  </p:timing>
 </p:sld>
 </file>
 

--- a/MathPath.pptx
+++ b/MathPath.pptx
@@ -5,15 +5,16 @@
     <p:sldMasterId id="2147483756" r:id="rId1"/>
   </p:sldMasterIdLst>
   <p:notesMasterIdLst>
-    <p:notesMasterId r:id="rId8"/>
+    <p:notesMasterId r:id="rId9"/>
   </p:notesMasterIdLst>
   <p:sldIdLst>
     <p:sldId id="256" r:id="rId2"/>
-    <p:sldId id="257" r:id="rId3"/>
-    <p:sldId id="262" r:id="rId4"/>
-    <p:sldId id="259" r:id="rId5"/>
-    <p:sldId id="260" r:id="rId6"/>
-    <p:sldId id="261" r:id="rId7"/>
+    <p:sldId id="263" r:id="rId3"/>
+    <p:sldId id="257" r:id="rId4"/>
+    <p:sldId id="262" r:id="rId5"/>
+    <p:sldId id="259" r:id="rId6"/>
+    <p:sldId id="260" r:id="rId7"/>
+    <p:sldId id="261" r:id="rId8"/>
   </p:sldIdLst>
   <p:sldSz cx="9144000" cy="6858000" type="screen4x3"/>
   <p:notesSz cx="6858000" cy="9144000"/>
@@ -198,7 +199,7 @@
             <a:fld id="{0DB80109-E575-4A68-A75D-AC7C62B83A35}" type="datetimeFigureOut">
               <a:rPr lang="en-US" smtClean="0"/>
               <a:pPr/>
-              <a:t>6/5/2018</a:t>
+              <a:t>6/6/2018</a:t>
             </a:fld>
             <a:endParaRPr lang="en-US"/>
           </a:p>
@@ -728,7 +729,7 @@
             <a:fld id="{9A43D04E-DB6B-40C0-8526-83B72CAB0B24}" type="datetime1">
               <a:rPr lang="en-US" smtClean="0"/>
               <a:pPr/>
-              <a:t>6/5/2018</a:t>
+              <a:t>6/6/2018</a:t>
             </a:fld>
             <a:endParaRPr lang="en-US"/>
           </a:p>
@@ -899,7 +900,7 @@
             <a:fld id="{59A58E33-1809-4E20-B778-A3FBAE66B23E}" type="datetime1">
               <a:rPr lang="en-US" smtClean="0"/>
               <a:pPr/>
-              <a:t>6/5/2018</a:t>
+              <a:t>6/6/2018</a:t>
             </a:fld>
             <a:endParaRPr lang="en-US"/>
           </a:p>
@@ -1080,7 +1081,7 @@
             <a:fld id="{6B0BBBEA-3A2C-468F-A25E-0C35A028C574}" type="datetime1">
               <a:rPr lang="en-US" smtClean="0"/>
               <a:pPr/>
-              <a:t>6/5/2018</a:t>
+              <a:t>6/6/2018</a:t>
             </a:fld>
             <a:endParaRPr lang="en-US"/>
           </a:p>
@@ -1251,7 +1252,7 @@
             <a:fld id="{C55FB685-7B17-423C-BE15-3BF483B9D95E}" type="datetime1">
               <a:rPr lang="en-US" smtClean="0"/>
               <a:pPr/>
-              <a:t>6/5/2018</a:t>
+              <a:t>6/6/2018</a:t>
             </a:fld>
             <a:endParaRPr lang="en-US"/>
           </a:p>
@@ -1498,7 +1499,7 @@
             <a:fld id="{E8A63192-403B-4D07-B7AD-F509792A63CF}" type="datetime1">
               <a:rPr lang="en-US" smtClean="0"/>
               <a:pPr/>
-              <a:t>6/5/2018</a:t>
+              <a:t>6/6/2018</a:t>
             </a:fld>
             <a:endParaRPr lang="en-US"/>
           </a:p>
@@ -1787,7 +1788,7 @@
             <a:fld id="{94A77A2D-93D4-45C4-B3E4-0457048C2815}" type="datetime1">
               <a:rPr lang="en-US" smtClean="0"/>
               <a:pPr/>
-              <a:t>6/5/2018</a:t>
+              <a:t>6/6/2018</a:t>
             </a:fld>
             <a:endParaRPr lang="en-US"/>
           </a:p>
@@ -2210,7 +2211,7 @@
             <a:fld id="{668E54BC-F2A4-4A9B-9179-E7D01011C0FD}" type="datetime1">
               <a:rPr lang="en-US" smtClean="0"/>
               <a:pPr/>
-              <a:t>6/5/2018</a:t>
+              <a:t>6/6/2018</a:t>
             </a:fld>
             <a:endParaRPr lang="en-US"/>
           </a:p>
@@ -2329,7 +2330,7 @@
             <a:fld id="{CB6E39B3-AF74-4E48-80CE-9C50C19769C8}" type="datetime1">
               <a:rPr lang="en-US" smtClean="0"/>
               <a:pPr/>
-              <a:t>6/5/2018</a:t>
+              <a:t>6/6/2018</a:t>
             </a:fld>
             <a:endParaRPr lang="en-US"/>
           </a:p>
@@ -2425,7 +2426,7 @@
             <a:fld id="{CA5F0658-4DCA-4677-9CC1-1E94D10E2AA4}" type="datetime1">
               <a:rPr lang="en-US" smtClean="0"/>
               <a:pPr/>
-              <a:t>6/5/2018</a:t>
+              <a:t>6/6/2018</a:t>
             </a:fld>
             <a:endParaRPr lang="en-US"/>
           </a:p>
@@ -2703,7 +2704,7 @@
             <a:fld id="{B3AFB9B0-ACD6-454D-9D8C-374695A705AA}" type="datetime1">
               <a:rPr lang="en-US" smtClean="0"/>
               <a:pPr/>
-              <a:t>6/5/2018</a:t>
+              <a:t>6/6/2018</a:t>
             </a:fld>
             <a:endParaRPr lang="en-US"/>
           </a:p>
@@ -2957,7 +2958,7 @@
             <a:fld id="{EA3CCCD2-C21C-4CD6-8A89-B2DD72726FE7}" type="datetime1">
               <a:rPr lang="en-US" smtClean="0"/>
               <a:pPr/>
-              <a:t>6/5/2018</a:t>
+              <a:t>6/6/2018</a:t>
             </a:fld>
             <a:endParaRPr lang="en-US"/>
           </a:p>
@@ -3022,9 +3023,12 @@
 <p:sldMaster xmlns:a="http://schemas.openxmlformats.org/drawingml/2006/main" xmlns:r="http://schemas.openxmlformats.org/officeDocument/2006/relationships" xmlns:p="http://schemas.openxmlformats.org/presentationml/2006/main">
   <p:cSld>
     <p:bg>
-      <p:bgRef idx="1001">
-        <a:schemeClr val="bg2"/>
-      </p:bgRef>
+      <p:bgPr>
+        <a:solidFill>
+          <a:srgbClr val="65B4CE"/>
+        </a:solidFill>
+        <a:effectLst/>
+      </p:bgPr>
     </p:bg>
     <p:spTree>
       <p:nvGrpSpPr>
@@ -3171,7 +3175,7 @@
             <a:fld id="{B2A9AD35-F626-485A-A66B-6749DE17189B}" type="datetime1">
               <a:rPr lang="en-US" smtClean="0"/>
               <a:pPr/>
-              <a:t>6/5/2018</a:t>
+              <a:t>6/6/2018</a:t>
             </a:fld>
             <a:endParaRPr lang="en-US"/>
           </a:p>
@@ -3597,11 +3601,7 @@
           <a:p>
             <a:r>
               <a:rPr lang="en-US" dirty="0" smtClean="0"/>
-              <a:t>Andr</a:t>
-            </a:r>
-            <a:r>
-              <a:rPr lang="en-US" dirty="0" smtClean="0"/>
-              <a:t>oid </a:t>
+              <a:t>Android </a:t>
             </a:r>
             <a:r>
               <a:rPr lang="en-US" dirty="0" err="1" smtClean="0"/>
@@ -3721,16 +3721,362 @@
         </p:nvSpPr>
         <p:spPr/>
         <p:txBody>
+          <a:bodyPr/>
+          <a:lstStyle/>
+          <a:p>
+            <a:r>
+              <a:rPr lang="en-US" dirty="0" smtClean="0"/>
+              <a:t>O </a:t>
+            </a:r>
+            <a:r>
+              <a:rPr lang="en-US" dirty="0" err="1" smtClean="0"/>
+              <a:t>aplikaciji</a:t>
+            </a:r>
+            <a:endParaRPr lang="en-US" dirty="0"/>
+          </a:p>
+        </p:txBody>
+      </p:sp>
+      <p:sp>
+        <p:nvSpPr>
+          <p:cNvPr id="3" name="Content Placeholder 2"/>
+          <p:cNvSpPr>
+            <a:spLocks noGrp="1"/>
+          </p:cNvSpPr>
+          <p:nvPr>
+            <p:ph idx="1"/>
+          </p:nvPr>
+        </p:nvSpPr>
+        <p:spPr/>
+        <p:txBody>
           <a:bodyPr>
             <a:normAutofit/>
           </a:bodyPr>
           <a:lstStyle/>
           <a:p>
             <a:r>
-              <a:rPr lang="en-US" dirty="0" err="1" smtClean="0"/>
-              <a:t>Izgled</a:t>
-            </a:r>
-            <a:endParaRPr lang="en-US" dirty="0"/>
+              <a:rPr lang="en-US" sz="2400" dirty="0" err="1" smtClean="0"/>
+              <a:t>Jednostavna</a:t>
+            </a:r>
+            <a:r>
+              <a:rPr lang="en-US" sz="2400" dirty="0" smtClean="0"/>
+              <a:t> </a:t>
+            </a:r>
+            <a:r>
+              <a:rPr lang="en-US" sz="2400" dirty="0" err="1" smtClean="0"/>
+              <a:t>igra</a:t>
+            </a:r>
+            <a:r>
+              <a:rPr lang="en-US" sz="2400" dirty="0" smtClean="0"/>
+              <a:t> </a:t>
+            </a:r>
+            <a:r>
+              <a:rPr lang="en-US" sz="2400" dirty="0" err="1" smtClean="0"/>
+              <a:t>za</a:t>
+            </a:r>
+            <a:r>
+              <a:rPr lang="en-US" sz="2400" dirty="0" smtClean="0"/>
+              <a:t> </a:t>
+            </a:r>
+            <a:r>
+              <a:rPr lang="en-US" sz="2400" dirty="0" err="1" smtClean="0"/>
+              <a:t>učenje</a:t>
+            </a:r>
+            <a:r>
+              <a:rPr lang="en-US" sz="2400" dirty="0" smtClean="0"/>
+              <a:t> </a:t>
+            </a:r>
+            <a:r>
+              <a:rPr lang="en-US" sz="2400" dirty="0" err="1" smtClean="0"/>
+              <a:t>matematike</a:t>
+            </a:r>
+            <a:endParaRPr lang="en-US" sz="2400" dirty="0" smtClean="0"/>
+          </a:p>
+          <a:p>
+            <a:r>
+              <a:rPr lang="en-US" sz="2400" dirty="0" err="1" smtClean="0"/>
+              <a:t>Skupljanje</a:t>
+            </a:r>
+            <a:r>
+              <a:rPr lang="en-US" sz="2400" dirty="0" smtClean="0"/>
+              <a:t> </a:t>
+            </a:r>
+            <a:r>
+              <a:rPr lang="en-US" sz="2400" dirty="0" err="1" smtClean="0"/>
+              <a:t>novčića</a:t>
+            </a:r>
+            <a:r>
+              <a:rPr lang="en-US" sz="2400" dirty="0" smtClean="0"/>
+              <a:t> </a:t>
+            </a:r>
+            <a:r>
+              <a:rPr lang="en-US" sz="2400" dirty="0" err="1" smtClean="0"/>
+              <a:t>rješavanjem</a:t>
+            </a:r>
+            <a:r>
+              <a:rPr lang="en-US" sz="2400" dirty="0" smtClean="0"/>
+              <a:t> </a:t>
+            </a:r>
+            <a:r>
+              <a:rPr lang="en-US" sz="2400" dirty="0" err="1" smtClean="0"/>
+              <a:t>zadataka</a:t>
+            </a:r>
+            <a:endParaRPr lang="en-US" sz="2400" dirty="0" smtClean="0"/>
+          </a:p>
+          <a:p>
+            <a:r>
+              <a:rPr lang="en-US" sz="2400" dirty="0" err="1" smtClean="0"/>
+              <a:t>Više</a:t>
+            </a:r>
+            <a:r>
+              <a:rPr lang="en-US" sz="2400" dirty="0" smtClean="0"/>
+              <a:t> </a:t>
+            </a:r>
+            <a:r>
+              <a:rPr lang="en-US" sz="2400" dirty="0" err="1" smtClean="0"/>
+              <a:t>tipova</a:t>
+            </a:r>
+            <a:r>
+              <a:rPr lang="en-US" sz="2400" dirty="0" smtClean="0"/>
+              <a:t> </a:t>
+            </a:r>
+            <a:r>
+              <a:rPr lang="en-US" sz="2400" dirty="0" err="1" smtClean="0"/>
+              <a:t>igara</a:t>
+            </a:r>
+            <a:r>
+              <a:rPr lang="en-US" sz="2400" dirty="0" smtClean="0"/>
+              <a:t> </a:t>
+            </a:r>
+            <a:r>
+              <a:rPr lang="en-US" sz="2400" dirty="0" err="1" smtClean="0"/>
+              <a:t>i</a:t>
+            </a:r>
+            <a:r>
+              <a:rPr lang="en-US" sz="2400" dirty="0" smtClean="0"/>
+              <a:t> </a:t>
+            </a:r>
+            <a:r>
+              <a:rPr lang="en-US" sz="2400" dirty="0" err="1" smtClean="0"/>
+              <a:t>težina</a:t>
+            </a:r>
+            <a:r>
+              <a:rPr lang="en-US" sz="2400" dirty="0" smtClean="0"/>
+              <a:t>, a </a:t>
+            </a:r>
+            <a:r>
+              <a:rPr lang="en-US" sz="2400" dirty="0" err="1" smtClean="0"/>
+              <a:t>moguće</a:t>
+            </a:r>
+            <a:r>
+              <a:rPr lang="en-US" sz="2400" dirty="0" smtClean="0"/>
+              <a:t> </a:t>
+            </a:r>
+            <a:r>
+              <a:rPr lang="en-US" sz="2400" dirty="0" err="1" smtClean="0"/>
+              <a:t>i</a:t>
+            </a:r>
+            <a:r>
+              <a:rPr lang="en-US" sz="2400" dirty="0" smtClean="0"/>
+              <a:t> </a:t>
+            </a:r>
+            <a:r>
+              <a:rPr lang="en-US" sz="2400" dirty="0" err="1" smtClean="0"/>
+              <a:t>ručno</a:t>
+            </a:r>
+            <a:r>
+              <a:rPr lang="en-US" sz="2400" dirty="0" smtClean="0"/>
+              <a:t> </a:t>
+            </a:r>
+            <a:r>
+              <a:rPr lang="en-US" sz="2400" dirty="0" err="1" smtClean="0"/>
+              <a:t>podešavanje</a:t>
+            </a:r>
+            <a:endParaRPr lang="en-US" sz="2400" dirty="0" smtClean="0"/>
+          </a:p>
+          <a:p>
+            <a:r>
+              <a:rPr lang="en-US" sz="2400" dirty="0" err="1" smtClean="0"/>
+              <a:t>Briga</a:t>
+            </a:r>
+            <a:r>
+              <a:rPr lang="en-US" sz="2400" dirty="0" smtClean="0"/>
+              <a:t> o </a:t>
+            </a:r>
+            <a:r>
+              <a:rPr lang="en-US" sz="2400" dirty="0" err="1" smtClean="0"/>
+              <a:t>ljubimcu</a:t>
+            </a:r>
+            <a:r>
+              <a:rPr lang="en-US" sz="2400" dirty="0" smtClean="0"/>
+              <a:t> (</a:t>
+            </a:r>
+            <a:r>
+              <a:rPr lang="en-US" sz="2400" dirty="0" err="1" smtClean="0"/>
+              <a:t>kupovina</a:t>
+            </a:r>
+            <a:r>
+              <a:rPr lang="en-US" sz="2400" dirty="0" smtClean="0"/>
+              <a:t> </a:t>
+            </a:r>
+            <a:r>
+              <a:rPr lang="en-US" sz="2400" dirty="0" err="1" smtClean="0"/>
+              <a:t>hrane</a:t>
+            </a:r>
+            <a:r>
+              <a:rPr lang="en-US" sz="2400" dirty="0" smtClean="0"/>
+              <a:t>, </a:t>
+            </a:r>
+            <a:r>
+              <a:rPr lang="en-US" sz="2400" dirty="0" err="1" smtClean="0"/>
+              <a:t>pića</a:t>
+            </a:r>
+            <a:r>
+              <a:rPr lang="en-US" sz="2400" dirty="0" smtClean="0"/>
+              <a:t> </a:t>
+            </a:r>
+            <a:r>
+              <a:rPr lang="en-US" sz="2400" dirty="0" err="1" smtClean="0"/>
+              <a:t>i</a:t>
+            </a:r>
+            <a:r>
+              <a:rPr lang="en-US" sz="2400" dirty="0" smtClean="0"/>
+              <a:t> </a:t>
+            </a:r>
+            <a:r>
+              <a:rPr lang="en-US" sz="2400" dirty="0" err="1" smtClean="0"/>
+              <a:t>igrački</a:t>
+            </a:r>
+            <a:r>
+              <a:rPr lang="en-US" sz="2400" dirty="0" smtClean="0"/>
+              <a:t>)</a:t>
+            </a:r>
+          </a:p>
+          <a:p>
+            <a:r>
+              <a:rPr lang="en-US" sz="2400" dirty="0" err="1" smtClean="0"/>
+              <a:t>Praćenje</a:t>
+            </a:r>
+            <a:r>
+              <a:rPr lang="en-US" sz="2400" dirty="0" smtClean="0"/>
+              <a:t> </a:t>
+            </a:r>
+            <a:r>
+              <a:rPr lang="en-US" sz="2400" dirty="0" err="1" smtClean="0"/>
+              <a:t>statistike</a:t>
+            </a:r>
+            <a:endParaRPr lang="en-US" sz="2400" dirty="0" smtClean="0"/>
+          </a:p>
+          <a:p>
+            <a:r>
+              <a:rPr lang="en-US" sz="2400" dirty="0" err="1" smtClean="0"/>
+              <a:t>Savjeti</a:t>
+            </a:r>
+            <a:r>
+              <a:rPr lang="en-US" sz="2400" dirty="0" smtClean="0"/>
+              <a:t> </a:t>
+            </a:r>
+            <a:r>
+              <a:rPr lang="en-US" sz="2400" dirty="0" err="1" smtClean="0"/>
+              <a:t>tokom</a:t>
+            </a:r>
+            <a:r>
+              <a:rPr lang="en-US" sz="2400" dirty="0" smtClean="0"/>
+              <a:t> </a:t>
+            </a:r>
+            <a:r>
+              <a:rPr lang="en-US" sz="2400" dirty="0" err="1" smtClean="0"/>
+              <a:t>rješavanja</a:t>
+            </a:r>
+            <a:endParaRPr lang="en-US" sz="2400" dirty="0" smtClean="0"/>
+          </a:p>
+          <a:p>
+            <a:r>
+              <a:rPr lang="en-US" sz="2400" dirty="0" err="1" smtClean="0"/>
+              <a:t>Višejezičnost</a:t>
+            </a:r>
+            <a:r>
+              <a:rPr lang="en-US" sz="2400" dirty="0" smtClean="0"/>
+              <a:t> (</a:t>
+            </a:r>
+            <a:r>
+              <a:rPr lang="en-US" sz="2400" dirty="0" err="1" smtClean="0"/>
+              <a:t>hrvatski</a:t>
+            </a:r>
+            <a:r>
+              <a:rPr lang="en-US" sz="2400" dirty="0" smtClean="0"/>
+              <a:t>, </a:t>
+            </a:r>
+            <a:r>
+              <a:rPr lang="en-US" sz="2400" dirty="0" err="1" smtClean="0"/>
+              <a:t>engleski</a:t>
+            </a:r>
+            <a:r>
+              <a:rPr lang="en-US" sz="2400" dirty="0" smtClean="0"/>
+              <a:t>, </a:t>
+            </a:r>
+            <a:r>
+              <a:rPr lang="en-US" sz="2400" dirty="0" err="1" smtClean="0"/>
+              <a:t>njemački</a:t>
+            </a:r>
+            <a:r>
+              <a:rPr lang="en-US" sz="2400" dirty="0" smtClean="0"/>
+              <a:t>, </a:t>
+            </a:r>
+            <a:r>
+              <a:rPr lang="en-US" sz="2400" dirty="0" err="1" smtClean="0"/>
+              <a:t>španjolski</a:t>
+            </a:r>
+            <a:r>
+              <a:rPr lang="en-US" sz="2400" dirty="0" smtClean="0"/>
+              <a:t>)</a:t>
+            </a:r>
+          </a:p>
+          <a:p>
+            <a:r>
+              <a:rPr lang="en-US" sz="2400" dirty="0" err="1" smtClean="0"/>
+              <a:t>Generiranje</a:t>
+            </a:r>
+            <a:r>
+              <a:rPr lang="en-US" sz="2400" dirty="0" smtClean="0"/>
+              <a:t> </a:t>
+            </a:r>
+            <a:r>
+              <a:rPr lang="en-US" sz="2400" dirty="0" err="1" smtClean="0"/>
+              <a:t>zadataka</a:t>
+            </a:r>
+            <a:r>
+              <a:rPr lang="en-US" sz="2400" dirty="0" smtClean="0"/>
+              <a:t> </a:t>
+            </a:r>
+            <a:r>
+              <a:rPr lang="en-US" sz="2400" dirty="0" err="1" smtClean="0"/>
+              <a:t>koji</a:t>
+            </a:r>
+            <a:r>
+              <a:rPr lang="en-US" sz="2400" dirty="0" smtClean="0"/>
+              <a:t> “</a:t>
+            </a:r>
+            <a:r>
+              <a:rPr lang="en-US" sz="2400" dirty="0" err="1" smtClean="0"/>
+              <a:t>slabije</a:t>
+            </a:r>
+            <a:r>
+              <a:rPr lang="en-US" sz="2400" dirty="0" smtClean="0"/>
+              <a:t> </a:t>
+            </a:r>
+            <a:r>
+              <a:rPr lang="en-US" sz="2400" dirty="0" err="1" smtClean="0"/>
+              <a:t>leže</a:t>
+            </a:r>
+            <a:r>
+              <a:rPr lang="en-US" sz="2400" dirty="0" smtClean="0"/>
+              <a:t>” </a:t>
+            </a:r>
+            <a:r>
+              <a:rPr lang="en-US" sz="2400" dirty="0" err="1" smtClean="0"/>
+              <a:t>korisniku</a:t>
+            </a:r>
+            <a:endParaRPr lang="en-US" sz="2400" dirty="0" smtClean="0"/>
           </a:p>
         </p:txBody>
       </p:sp>
@@ -3757,93 +4103,11 @@
           </a:p>
         </p:txBody>
       </p:sp>
-      <p:pic>
-        <p:nvPicPr>
-          <p:cNvPr id="1026" name="Picture 2" descr="Z:\home\mat\Downloads\mockup\Screenshot_20180321-164946_pixel_really_blue_portrait.png"/>
-          <p:cNvPicPr>
-            <a:picLocks noChangeAspect="1" noChangeArrowheads="1"/>
-          </p:cNvPicPr>
-          <p:nvPr/>
-        </p:nvPicPr>
-        <p:blipFill>
-          <a:blip r:embed="rId2" cstate="print"/>
-          <a:stretch>
-            <a:fillRect/>
-          </a:stretch>
-        </p:blipFill>
-        <p:spPr bwMode="auto">
-          <a:xfrm>
-            <a:off x="-857288" y="1714488"/>
-            <a:ext cx="4785360" cy="4785360"/>
-          </a:xfrm>
-          <a:prstGeom prst="rect">
-            <a:avLst/>
-          </a:prstGeom>
-          <a:noFill/>
-        </p:spPr>
-      </p:pic>
-      <p:pic>
-        <p:nvPicPr>
-          <p:cNvPr id="1028" name="Picture 4" descr="Z:\home\mat\Downloads\mockup\Screenshot_20180321-165126_pixel_really_blue_portrait.png"/>
-          <p:cNvPicPr>
-            <a:picLocks noChangeAspect="1" noChangeArrowheads="1"/>
-          </p:cNvPicPr>
-          <p:nvPr/>
-        </p:nvPicPr>
-        <p:blipFill>
-          <a:blip r:embed="rId3" cstate="print"/>
-          <a:stretch>
-            <a:fillRect/>
-          </a:stretch>
-        </p:blipFill>
-        <p:spPr bwMode="auto">
-          <a:xfrm>
-            <a:off x="5214942" y="1719250"/>
-            <a:ext cx="4785360" cy="4785360"/>
-          </a:xfrm>
-          <a:prstGeom prst="rect">
-            <a:avLst/>
-          </a:prstGeom>
-          <a:noFill/>
-        </p:spPr>
-      </p:pic>
-      <p:pic>
-        <p:nvPicPr>
-          <p:cNvPr id="6" name="Picture 2" descr="Z:\home\mat\Downloads\mockup\Screenshot_20180321-164946_pixel_really_blue_portrait.png"/>
-          <p:cNvPicPr>
-            <a:picLocks noChangeAspect="1" noChangeArrowheads="1"/>
-          </p:cNvPicPr>
-          <p:nvPr/>
-        </p:nvPicPr>
-        <p:blipFill>
-          <a:blip r:embed="rId4" cstate="print"/>
-          <a:stretch>
-            <a:fillRect/>
-          </a:stretch>
-        </p:blipFill>
-        <p:spPr bwMode="auto">
-          <a:xfrm>
-            <a:off x="2214546" y="1714488"/>
-            <a:ext cx="4785360" cy="4785360"/>
-          </a:xfrm>
-          <a:prstGeom prst="rect">
-            <a:avLst/>
-          </a:prstGeom>
-          <a:noFill/>
-        </p:spPr>
-      </p:pic>
     </p:spTree>
   </p:cSld>
   <p:clrMapOvr>
     <a:masterClrMapping/>
   </p:clrMapOvr>
-  <p:timing>
-    <p:tnLst>
-      <p:par>
-        <p:cTn id="1" dur="indefinite" restart="never" nodeType="tmRoot"/>
-      </p:par>
-    </p:tnLst>
-  </p:timing>
 </p:sld>
 </file>
 
@@ -4031,20 +4295,14 @@
         </p:nvSpPr>
         <p:spPr/>
         <p:txBody>
-          <a:bodyPr/>
+          <a:bodyPr>
+            <a:normAutofit/>
+          </a:bodyPr>
           <a:lstStyle/>
           <a:p>
             <a:r>
               <a:rPr lang="en-US" dirty="0" err="1" smtClean="0"/>
-              <a:t>Daljnji</a:t>
-            </a:r>
-            <a:r>
-              <a:rPr lang="en-US" dirty="0" smtClean="0"/>
-              <a:t> </a:t>
-            </a:r>
-            <a:r>
-              <a:rPr lang="en-US" dirty="0" err="1" smtClean="0"/>
-              <a:t>razvoj</a:t>
+              <a:t>Izgled</a:t>
             </a:r>
             <a:endParaRPr lang="en-US" dirty="0"/>
           </a:p>
@@ -4052,12 +4310,12 @@
       </p:sp>
       <p:sp>
         <p:nvSpPr>
-          <p:cNvPr id="3" name="Content Placeholder 2"/>
-          <p:cNvSpPr>
-            <a:spLocks noGrp="1"/>
-          </p:cNvSpPr>
-          <p:nvPr>
-            <p:ph idx="1"/>
+          <p:cNvPr id="4" name="Footer Placeholder 3"/>
+          <p:cNvSpPr>
+            <a:spLocks noGrp="1"/>
+          </p:cNvSpPr>
+          <p:nvPr>
+            <p:ph type="ftr" sz="quarter" idx="11"/>
           </p:nvPr>
         </p:nvSpPr>
         <p:spPr/>
@@ -4066,255 +4324,6 @@
           <a:lstStyle/>
           <a:p>
             <a:r>
-              <a:rPr lang="en-US" sz="2400" dirty="0" err="1" smtClean="0"/>
-              <a:t>Više</a:t>
-            </a:r>
-            <a:r>
-              <a:rPr lang="en-US" sz="2400" dirty="0" smtClean="0"/>
-              <a:t> </a:t>
-            </a:r>
-            <a:r>
-              <a:rPr lang="en-US" sz="2400" dirty="0" err="1" smtClean="0"/>
-              <a:t>stvari</a:t>
-            </a:r>
-            <a:r>
-              <a:rPr lang="en-US" sz="2400" dirty="0" smtClean="0"/>
-              <a:t> </a:t>
-            </a:r>
-            <a:r>
-              <a:rPr lang="en-US" sz="2400" dirty="0" err="1" smtClean="0"/>
-              <a:t>za</a:t>
-            </a:r>
-            <a:r>
-              <a:rPr lang="en-US" sz="2400" dirty="0" smtClean="0"/>
-              <a:t> </a:t>
-            </a:r>
-            <a:r>
-              <a:rPr lang="en-US" sz="2400" dirty="0" err="1" smtClean="0"/>
-              <a:t>kupiti</a:t>
-            </a:r>
-            <a:r>
-              <a:rPr lang="en-US" sz="2400" dirty="0" smtClean="0"/>
-              <a:t> (</a:t>
-            </a:r>
-            <a:r>
-              <a:rPr lang="en-US" sz="2400" dirty="0" err="1" smtClean="0"/>
-              <a:t>skinovi</a:t>
-            </a:r>
-            <a:r>
-              <a:rPr lang="en-US" sz="2400" dirty="0" smtClean="0"/>
-              <a:t>)</a:t>
-            </a:r>
-            <a:endParaRPr lang="en-US" sz="2400" dirty="0" smtClean="0"/>
-          </a:p>
-          <a:p>
-            <a:r>
-              <a:rPr lang="en-US" sz="2400" dirty="0" err="1" smtClean="0"/>
-              <a:t>Ponavljanje</a:t>
-            </a:r>
-            <a:r>
-              <a:rPr lang="en-US" sz="2400" dirty="0" smtClean="0"/>
-              <a:t> </a:t>
-            </a:r>
-            <a:r>
-              <a:rPr lang="en-US" sz="2400" dirty="0" err="1" smtClean="0"/>
-              <a:t>krivo</a:t>
-            </a:r>
-            <a:r>
-              <a:rPr lang="en-US" sz="2400" dirty="0" smtClean="0"/>
-              <a:t> </a:t>
-            </a:r>
-            <a:r>
-              <a:rPr lang="en-US" sz="2400" dirty="0" err="1" smtClean="0"/>
-              <a:t>riješenih</a:t>
-            </a:r>
-            <a:r>
-              <a:rPr lang="en-US" sz="2400" dirty="0" smtClean="0"/>
-              <a:t> </a:t>
-            </a:r>
-            <a:r>
-              <a:rPr lang="en-US" sz="2400" dirty="0" err="1" smtClean="0"/>
-              <a:t>zadataka</a:t>
-            </a:r>
-            <a:r>
-              <a:rPr lang="en-US" sz="2400" dirty="0" smtClean="0"/>
-              <a:t> </a:t>
-            </a:r>
-            <a:r>
-              <a:rPr lang="en-US" sz="2400" dirty="0" err="1" smtClean="0"/>
-              <a:t>uz</a:t>
-            </a:r>
-            <a:r>
-              <a:rPr lang="en-US" sz="2400" dirty="0" smtClean="0"/>
-              <a:t> </a:t>
-            </a:r>
-            <a:r>
-              <a:rPr lang="en-US" sz="2400" dirty="0" err="1" smtClean="0"/>
-              <a:t>dodatne</a:t>
-            </a:r>
-            <a:r>
-              <a:rPr lang="en-US" sz="2400" dirty="0" smtClean="0"/>
-              <a:t> </a:t>
-            </a:r>
-            <a:r>
-              <a:rPr lang="en-US" sz="2400" dirty="0" err="1" smtClean="0"/>
-              <a:t>savjete</a:t>
-            </a:r>
-            <a:endParaRPr lang="en-US" sz="2400" dirty="0" smtClean="0"/>
-          </a:p>
-          <a:p>
-            <a:r>
-              <a:rPr lang="en-US" sz="2400" dirty="0" err="1" smtClean="0"/>
-              <a:t>Animacije</a:t>
-            </a:r>
-            <a:r>
-              <a:rPr lang="en-US" sz="2400" dirty="0" smtClean="0"/>
-              <a:t> </a:t>
-            </a:r>
-            <a:r>
-              <a:rPr lang="en-US" sz="2400" dirty="0" err="1" smtClean="0"/>
-              <a:t>i</a:t>
-            </a:r>
-            <a:r>
-              <a:rPr lang="en-US" sz="2400" dirty="0" smtClean="0"/>
-              <a:t> </a:t>
-            </a:r>
-            <a:r>
-              <a:rPr lang="en-US" sz="2400" dirty="0" err="1" smtClean="0"/>
-              <a:t>interakcija</a:t>
-            </a:r>
-            <a:endParaRPr lang="en-US" sz="2400" dirty="0" smtClean="0"/>
-          </a:p>
-          <a:p>
-            <a:r>
-              <a:rPr lang="en-US" sz="2400" dirty="0" smtClean="0"/>
-              <a:t>Tip </a:t>
-            </a:r>
-            <a:r>
-              <a:rPr lang="en-US" sz="2400" dirty="0" err="1" smtClean="0"/>
-              <a:t>igre</a:t>
-            </a:r>
-            <a:r>
-              <a:rPr lang="en-US" sz="2400" dirty="0" smtClean="0"/>
-              <a:t> </a:t>
-            </a:r>
-            <a:r>
-              <a:rPr lang="en-US" sz="2400" dirty="0" err="1" smtClean="0"/>
-              <a:t>na</a:t>
-            </a:r>
-            <a:r>
-              <a:rPr lang="en-US" sz="2400" dirty="0" smtClean="0"/>
-              <a:t> </a:t>
-            </a:r>
-            <a:r>
-              <a:rPr lang="en-US" sz="2400" dirty="0" err="1" smtClean="0"/>
-              <a:t>odabir</a:t>
-            </a:r>
-            <a:r>
-              <a:rPr lang="en-US" sz="2400" dirty="0" smtClean="0"/>
-              <a:t> </a:t>
-            </a:r>
-            <a:r>
-              <a:rPr lang="en-US" sz="2400" dirty="0" err="1" smtClean="0"/>
-              <a:t>jednog</a:t>
-            </a:r>
-            <a:r>
-              <a:rPr lang="en-US" sz="2400" dirty="0" smtClean="0"/>
-              <a:t> </a:t>
-            </a:r>
-            <a:r>
-              <a:rPr lang="en-US" sz="2400" dirty="0" err="1" smtClean="0"/>
-              <a:t>od</a:t>
-            </a:r>
-            <a:r>
-              <a:rPr lang="en-US" sz="2400" dirty="0" smtClean="0"/>
-              <a:t> </a:t>
-            </a:r>
-            <a:r>
-              <a:rPr lang="en-US" sz="2400" dirty="0" err="1" smtClean="0"/>
-              <a:t>ponuđenih</a:t>
-            </a:r>
-            <a:r>
-              <a:rPr lang="en-US" sz="2400" dirty="0" smtClean="0"/>
-              <a:t> </a:t>
-            </a:r>
-            <a:r>
-              <a:rPr lang="en-US" sz="2400" dirty="0" err="1" smtClean="0"/>
-              <a:t>rješenja</a:t>
-            </a:r>
-            <a:r>
-              <a:rPr lang="en-US" sz="2400" dirty="0" smtClean="0"/>
-              <a:t> + mix </a:t>
-            </a:r>
-            <a:r>
-              <a:rPr lang="en-US" sz="2400" dirty="0" err="1" smtClean="0"/>
-              <a:t>svih</a:t>
-            </a:r>
-            <a:r>
-              <a:rPr lang="en-US" sz="2400" dirty="0" smtClean="0"/>
-              <a:t> </a:t>
-            </a:r>
-            <a:r>
-              <a:rPr lang="en-US" sz="2400" dirty="0" err="1" smtClean="0"/>
-              <a:t>tipova</a:t>
-            </a:r>
-            <a:endParaRPr lang="en-US" sz="2400" dirty="0"/>
-          </a:p>
-          <a:p>
-            <a:r>
-              <a:rPr lang="en-US" sz="2400" dirty="0" err="1" smtClean="0"/>
-              <a:t>Naprednije</a:t>
-            </a:r>
-            <a:r>
-              <a:rPr lang="en-US" sz="2400" dirty="0" smtClean="0"/>
-              <a:t> </a:t>
-            </a:r>
-            <a:r>
-              <a:rPr lang="en-US" sz="2400" dirty="0" err="1" smtClean="0"/>
-              <a:t>jednadžbe</a:t>
-            </a:r>
-            <a:endParaRPr lang="en-US" sz="2400" dirty="0" smtClean="0"/>
-          </a:p>
-          <a:p>
-            <a:r>
-              <a:rPr lang="en-US" sz="2400" dirty="0" err="1" smtClean="0"/>
-              <a:t>Više</a:t>
-            </a:r>
-            <a:r>
-              <a:rPr lang="en-US" sz="2400" dirty="0" smtClean="0"/>
-              <a:t> </a:t>
-            </a:r>
-            <a:r>
-              <a:rPr lang="en-US" sz="2400" dirty="0" err="1" smtClean="0"/>
-              <a:t>statistika</a:t>
-            </a:r>
-            <a:endParaRPr lang="en-US" sz="2400" dirty="0" smtClean="0"/>
-          </a:p>
-          <a:p>
-            <a:r>
-              <a:rPr lang="en-US" sz="2400" dirty="0" err="1" smtClean="0"/>
-              <a:t>Achievementsi</a:t>
-            </a:r>
-            <a:endParaRPr lang="en-US" sz="2400" dirty="0" smtClean="0"/>
-          </a:p>
-        </p:txBody>
-      </p:sp>
-      <p:sp>
-        <p:nvSpPr>
-          <p:cNvPr id="4" name="Footer Placeholder 3"/>
-          <p:cNvSpPr>
-            <a:spLocks noGrp="1"/>
-          </p:cNvSpPr>
-          <p:nvPr>
-            <p:ph type="ftr" sz="quarter" idx="11"/>
-          </p:nvPr>
-        </p:nvSpPr>
-        <p:spPr/>
-        <p:txBody>
-          <a:bodyPr/>
-          <a:lstStyle/>
-          <a:p>
-            <a:r>
               <a:rPr lang="en-US" smtClean="0"/>
               <a:t>MathPath</a:t>
             </a:r>
@@ -4322,6 +4331,81 @@
           </a:p>
         </p:txBody>
       </p:sp>
+      <p:pic>
+        <p:nvPicPr>
+          <p:cNvPr id="1026" name="Picture 2" descr="Z:\home\mat\Downloads\mockup\Screenshot_20180321-164946_pixel_really_blue_portrait.png"/>
+          <p:cNvPicPr>
+            <a:picLocks noChangeAspect="1" noChangeArrowheads="1"/>
+          </p:cNvPicPr>
+          <p:nvPr/>
+        </p:nvPicPr>
+        <p:blipFill>
+          <a:blip r:embed="rId2" cstate="print"/>
+          <a:stretch>
+            <a:fillRect/>
+          </a:stretch>
+        </p:blipFill>
+        <p:spPr bwMode="auto">
+          <a:xfrm>
+            <a:off x="-857288" y="1714488"/>
+            <a:ext cx="4785360" cy="4785360"/>
+          </a:xfrm>
+          <a:prstGeom prst="rect">
+            <a:avLst/>
+          </a:prstGeom>
+          <a:noFill/>
+        </p:spPr>
+      </p:pic>
+      <p:pic>
+        <p:nvPicPr>
+          <p:cNvPr id="1028" name="Picture 4" descr="Z:\home\mat\Downloads\mockup\Screenshot_20180321-165126_pixel_really_blue_portrait.png"/>
+          <p:cNvPicPr>
+            <a:picLocks noChangeAspect="1" noChangeArrowheads="1"/>
+          </p:cNvPicPr>
+          <p:nvPr/>
+        </p:nvPicPr>
+        <p:blipFill>
+          <a:blip r:embed="rId3" cstate="print"/>
+          <a:stretch>
+            <a:fillRect/>
+          </a:stretch>
+        </p:blipFill>
+        <p:spPr bwMode="auto">
+          <a:xfrm>
+            <a:off x="5214942" y="1719250"/>
+            <a:ext cx="4785360" cy="4785360"/>
+          </a:xfrm>
+          <a:prstGeom prst="rect">
+            <a:avLst/>
+          </a:prstGeom>
+          <a:noFill/>
+        </p:spPr>
+      </p:pic>
+      <p:pic>
+        <p:nvPicPr>
+          <p:cNvPr id="6" name="Picture 2" descr="Z:\home\mat\Downloads\mockup\Screenshot_20180321-164946_pixel_really_blue_portrait.png"/>
+          <p:cNvPicPr>
+            <a:picLocks noChangeAspect="1" noChangeArrowheads="1"/>
+          </p:cNvPicPr>
+          <p:nvPr/>
+        </p:nvPicPr>
+        <p:blipFill>
+          <a:blip r:embed="rId4" cstate="print"/>
+          <a:stretch>
+            <a:fillRect/>
+          </a:stretch>
+        </p:blipFill>
+        <p:spPr bwMode="auto">
+          <a:xfrm>
+            <a:off x="2214546" y="1714488"/>
+            <a:ext cx="4785360" cy="4785360"/>
+          </a:xfrm>
+          <a:prstGeom prst="rect">
+            <a:avLst/>
+          </a:prstGeom>
+          <a:noFill/>
+        </p:spPr>
+      </p:pic>
     </p:spTree>
   </p:cSld>
   <p:clrMapOvr>
@@ -4371,6 +4455,374 @@
           <a:p>
             <a:r>
               <a:rPr lang="en-US" dirty="0" err="1" smtClean="0"/>
+              <a:t>Daljnji</a:t>
+            </a:r>
+            <a:r>
+              <a:rPr lang="en-US" dirty="0" smtClean="0"/>
+              <a:t> </a:t>
+            </a:r>
+            <a:r>
+              <a:rPr lang="en-US" dirty="0" err="1" smtClean="0"/>
+              <a:t>razvoj</a:t>
+            </a:r>
+            <a:endParaRPr lang="en-US" dirty="0"/>
+          </a:p>
+        </p:txBody>
+      </p:sp>
+      <p:sp>
+        <p:nvSpPr>
+          <p:cNvPr id="3" name="Content Placeholder 2"/>
+          <p:cNvSpPr>
+            <a:spLocks noGrp="1"/>
+          </p:cNvSpPr>
+          <p:nvPr>
+            <p:ph idx="1"/>
+          </p:nvPr>
+        </p:nvSpPr>
+        <p:spPr>
+          <a:xfrm>
+            <a:off x="457200" y="1600200"/>
+            <a:ext cx="8229600" cy="4829196"/>
+          </a:xfrm>
+        </p:spPr>
+        <p:txBody>
+          <a:bodyPr/>
+          <a:lstStyle/>
+          <a:p>
+            <a:r>
+              <a:rPr lang="en-US" sz="2400" dirty="0" err="1" smtClean="0"/>
+              <a:t>Više</a:t>
+            </a:r>
+            <a:r>
+              <a:rPr lang="en-US" sz="2400" dirty="0" smtClean="0"/>
+              <a:t> </a:t>
+            </a:r>
+            <a:r>
+              <a:rPr lang="en-US" sz="2400" dirty="0" err="1" smtClean="0"/>
+              <a:t>stvari</a:t>
+            </a:r>
+            <a:r>
+              <a:rPr lang="en-US" sz="2400" dirty="0" smtClean="0"/>
+              <a:t> </a:t>
+            </a:r>
+            <a:r>
+              <a:rPr lang="en-US" sz="2400" dirty="0" err="1" smtClean="0"/>
+              <a:t>za</a:t>
+            </a:r>
+            <a:r>
+              <a:rPr lang="en-US" sz="2400" dirty="0" smtClean="0"/>
+              <a:t> </a:t>
+            </a:r>
+            <a:r>
+              <a:rPr lang="en-US" sz="2400" dirty="0" err="1" smtClean="0"/>
+              <a:t>kupiti</a:t>
+            </a:r>
+            <a:r>
+              <a:rPr lang="en-US" sz="2400" dirty="0" smtClean="0"/>
+              <a:t> (</a:t>
+            </a:r>
+            <a:r>
+              <a:rPr lang="en-US" sz="2400" dirty="0" err="1" smtClean="0"/>
+              <a:t>skinovi</a:t>
+            </a:r>
+            <a:r>
+              <a:rPr lang="en-US" sz="2400" dirty="0" smtClean="0"/>
+              <a:t>)</a:t>
+            </a:r>
+          </a:p>
+          <a:p>
+            <a:r>
+              <a:rPr lang="en-US" sz="2400" dirty="0" err="1" smtClean="0"/>
+              <a:t>Ponavljanje</a:t>
+            </a:r>
+            <a:r>
+              <a:rPr lang="en-US" sz="2400" dirty="0" smtClean="0"/>
+              <a:t> </a:t>
+            </a:r>
+            <a:r>
+              <a:rPr lang="en-US" sz="2400" dirty="0" err="1" smtClean="0"/>
+              <a:t>krivo</a:t>
+            </a:r>
+            <a:r>
+              <a:rPr lang="en-US" sz="2400" dirty="0" smtClean="0"/>
+              <a:t> </a:t>
+            </a:r>
+            <a:r>
+              <a:rPr lang="en-US" sz="2400" dirty="0" err="1" smtClean="0"/>
+              <a:t>riješenih</a:t>
+            </a:r>
+            <a:r>
+              <a:rPr lang="en-US" sz="2400" dirty="0" smtClean="0"/>
+              <a:t> </a:t>
+            </a:r>
+            <a:r>
+              <a:rPr lang="en-US" sz="2400" dirty="0" err="1" smtClean="0"/>
+              <a:t>zadataka</a:t>
+            </a:r>
+            <a:r>
+              <a:rPr lang="en-US" sz="2400" dirty="0" smtClean="0"/>
+              <a:t> </a:t>
+            </a:r>
+            <a:r>
+              <a:rPr lang="en-US" sz="2400" dirty="0" err="1" smtClean="0"/>
+              <a:t>uz</a:t>
+            </a:r>
+            <a:r>
+              <a:rPr lang="en-US" sz="2400" dirty="0" smtClean="0"/>
+              <a:t> </a:t>
+            </a:r>
+            <a:r>
+              <a:rPr lang="en-US" sz="2400" dirty="0" err="1" smtClean="0"/>
+              <a:t>dodatne</a:t>
+            </a:r>
+            <a:r>
+              <a:rPr lang="en-US" sz="2400" dirty="0" smtClean="0"/>
+              <a:t> </a:t>
+            </a:r>
+            <a:r>
+              <a:rPr lang="en-US" sz="2400" dirty="0" err="1" smtClean="0"/>
+              <a:t>savjete</a:t>
+            </a:r>
+            <a:endParaRPr lang="en-US" sz="2400" dirty="0" smtClean="0"/>
+          </a:p>
+          <a:p>
+            <a:r>
+              <a:rPr lang="en-US" sz="2400" dirty="0" err="1" smtClean="0"/>
+              <a:t>Animacije</a:t>
+            </a:r>
+            <a:r>
+              <a:rPr lang="en-US" sz="2400" dirty="0" smtClean="0"/>
+              <a:t> </a:t>
+            </a:r>
+            <a:r>
+              <a:rPr lang="en-US" sz="2400" dirty="0" err="1" smtClean="0"/>
+              <a:t>i</a:t>
+            </a:r>
+            <a:r>
+              <a:rPr lang="en-US" sz="2400" dirty="0" smtClean="0"/>
+              <a:t> </a:t>
+            </a:r>
+            <a:r>
+              <a:rPr lang="en-US" sz="2400" dirty="0" err="1" smtClean="0"/>
+              <a:t>interakcija</a:t>
+            </a:r>
+            <a:endParaRPr lang="en-US" sz="2400" dirty="0" smtClean="0"/>
+          </a:p>
+          <a:p>
+            <a:r>
+              <a:rPr lang="en-US" sz="2400" dirty="0" smtClean="0"/>
+              <a:t>Tip </a:t>
+            </a:r>
+            <a:r>
+              <a:rPr lang="en-US" sz="2400" dirty="0" err="1" smtClean="0"/>
+              <a:t>igre</a:t>
+            </a:r>
+            <a:r>
+              <a:rPr lang="en-US" sz="2400" dirty="0" smtClean="0"/>
+              <a:t> </a:t>
+            </a:r>
+            <a:r>
+              <a:rPr lang="en-US" sz="2400" dirty="0" err="1" smtClean="0"/>
+              <a:t>na</a:t>
+            </a:r>
+            <a:r>
+              <a:rPr lang="en-US" sz="2400" dirty="0" smtClean="0"/>
+              <a:t> </a:t>
+            </a:r>
+            <a:r>
+              <a:rPr lang="en-US" sz="2400" dirty="0" err="1" smtClean="0"/>
+              <a:t>odabir</a:t>
+            </a:r>
+            <a:r>
+              <a:rPr lang="en-US" sz="2400" dirty="0" smtClean="0"/>
+              <a:t> </a:t>
+            </a:r>
+            <a:r>
+              <a:rPr lang="en-US" sz="2400" dirty="0" err="1" smtClean="0"/>
+              <a:t>jednog</a:t>
+            </a:r>
+            <a:r>
+              <a:rPr lang="en-US" sz="2400" dirty="0" smtClean="0"/>
+              <a:t> </a:t>
+            </a:r>
+            <a:r>
+              <a:rPr lang="en-US" sz="2400" dirty="0" err="1" smtClean="0"/>
+              <a:t>od</a:t>
+            </a:r>
+            <a:r>
+              <a:rPr lang="en-US" sz="2400" dirty="0" smtClean="0"/>
+              <a:t> </a:t>
+            </a:r>
+            <a:r>
+              <a:rPr lang="en-US" sz="2400" dirty="0" err="1" smtClean="0"/>
+              <a:t>ponuđenih</a:t>
+            </a:r>
+            <a:r>
+              <a:rPr lang="en-US" sz="2400" dirty="0" smtClean="0"/>
+              <a:t> </a:t>
+            </a:r>
+            <a:r>
+              <a:rPr lang="en-US" sz="2400" dirty="0" err="1" smtClean="0"/>
+              <a:t>rješenja</a:t>
+            </a:r>
+            <a:r>
+              <a:rPr lang="en-US" sz="2400" dirty="0" smtClean="0"/>
+              <a:t> + mix </a:t>
+            </a:r>
+            <a:r>
+              <a:rPr lang="en-US" sz="2400" dirty="0" err="1" smtClean="0"/>
+              <a:t>svih</a:t>
+            </a:r>
+            <a:r>
+              <a:rPr lang="en-US" sz="2400" dirty="0" smtClean="0"/>
+              <a:t> </a:t>
+            </a:r>
+            <a:r>
+              <a:rPr lang="en-US" sz="2400" dirty="0" err="1" smtClean="0"/>
+              <a:t>tipova</a:t>
+            </a:r>
+            <a:endParaRPr lang="en-US" sz="2400" dirty="0"/>
+          </a:p>
+          <a:p>
+            <a:r>
+              <a:rPr lang="en-US" sz="2400" dirty="0" err="1" smtClean="0"/>
+              <a:t>Naprednije</a:t>
+            </a:r>
+            <a:r>
+              <a:rPr lang="en-US" sz="2400" dirty="0" smtClean="0"/>
+              <a:t> </a:t>
+            </a:r>
+            <a:r>
+              <a:rPr lang="en-US" sz="2400" dirty="0" err="1" smtClean="0"/>
+              <a:t>jednadžbe</a:t>
+            </a:r>
+            <a:endParaRPr lang="en-US" sz="2400" dirty="0" smtClean="0"/>
+          </a:p>
+          <a:p>
+            <a:r>
+              <a:rPr lang="en-US" sz="2400" dirty="0" err="1" smtClean="0"/>
+              <a:t>Više</a:t>
+            </a:r>
+            <a:r>
+              <a:rPr lang="en-US" sz="2400" dirty="0" smtClean="0"/>
+              <a:t> </a:t>
+            </a:r>
+            <a:r>
+              <a:rPr lang="en-US" sz="2400" dirty="0" err="1" smtClean="0"/>
+              <a:t>statistika</a:t>
+            </a:r>
+            <a:endParaRPr lang="en-US" sz="2400" dirty="0" smtClean="0"/>
+          </a:p>
+          <a:p>
+            <a:r>
+              <a:rPr lang="en-US" sz="2400" dirty="0" err="1" smtClean="0"/>
+              <a:t>Achievementsi</a:t>
+            </a:r>
+            <a:endParaRPr lang="en-US" sz="2400" dirty="0" smtClean="0"/>
+          </a:p>
+          <a:p>
+            <a:r>
+              <a:rPr lang="en-US" sz="2400" dirty="0" smtClean="0"/>
+              <a:t>Multiplayer</a:t>
+            </a:r>
+          </a:p>
+          <a:p>
+            <a:r>
+              <a:rPr lang="en-US" sz="2400" dirty="0" smtClean="0"/>
+              <a:t>Port </a:t>
+            </a:r>
+            <a:r>
+              <a:rPr lang="en-US" sz="2400" dirty="0" err="1" smtClean="0"/>
+              <a:t>na</a:t>
+            </a:r>
+            <a:r>
+              <a:rPr lang="en-US" sz="2400" dirty="0" smtClean="0"/>
+              <a:t> desktop </a:t>
+            </a:r>
+            <a:r>
+              <a:rPr lang="en-US" sz="2400" dirty="0" err="1" smtClean="0"/>
+              <a:t>i</a:t>
+            </a:r>
+            <a:r>
+              <a:rPr lang="en-US" sz="2400" dirty="0" smtClean="0"/>
+              <a:t> web</a:t>
+            </a:r>
+            <a:endParaRPr lang="en-US" sz="2400" dirty="0" smtClean="0"/>
+          </a:p>
+        </p:txBody>
+      </p:sp>
+      <p:sp>
+        <p:nvSpPr>
+          <p:cNvPr id="4" name="Footer Placeholder 3"/>
+          <p:cNvSpPr>
+            <a:spLocks noGrp="1"/>
+          </p:cNvSpPr>
+          <p:nvPr>
+            <p:ph type="ftr" sz="quarter" idx="11"/>
+          </p:nvPr>
+        </p:nvSpPr>
+        <p:spPr/>
+        <p:txBody>
+          <a:bodyPr/>
+          <a:lstStyle/>
+          <a:p>
+            <a:r>
+              <a:rPr lang="en-US" smtClean="0"/>
+              <a:t>MathPath</a:t>
+            </a:r>
+            <a:endParaRPr lang="en-US"/>
+          </a:p>
+        </p:txBody>
+      </p:sp>
+    </p:spTree>
+  </p:cSld>
+  <p:clrMapOvr>
+    <a:masterClrMapping/>
+  </p:clrMapOvr>
+  <p:timing>
+    <p:tnLst>
+      <p:par>
+        <p:cTn id="1" dur="indefinite" restart="never" nodeType="tmRoot"/>
+      </p:par>
+    </p:tnLst>
+  </p:timing>
+</p:sld>
+</file>
+
+<file path=ppt/slides/slide6.xml><?xml version="1.0" encoding="utf-8"?>
+<p:sld xmlns:a="http://schemas.openxmlformats.org/drawingml/2006/main" xmlns:r="http://schemas.openxmlformats.org/officeDocument/2006/relationships" xmlns:p="http://schemas.openxmlformats.org/presentationml/2006/main">
+  <p:cSld>
+    <p:spTree>
+      <p:nvGrpSpPr>
+        <p:cNvPr id="1" name=""/>
+        <p:cNvGrpSpPr/>
+        <p:nvPr/>
+      </p:nvGrpSpPr>
+      <p:grpSpPr>
+        <a:xfrm>
+          <a:off x="0" y="0"/>
+          <a:ext cx="0" cy="0"/>
+          <a:chOff x="0" y="0"/>
+          <a:chExt cx="0" cy="0"/>
+        </a:xfrm>
+      </p:grpSpPr>
+      <p:sp>
+        <p:nvSpPr>
+          <p:cNvPr id="2" name="Title 1"/>
+          <p:cNvSpPr>
+            <a:spLocks noGrp="1"/>
+          </p:cNvSpPr>
+          <p:nvPr>
+            <p:ph type="title"/>
+          </p:nvPr>
+        </p:nvSpPr>
+        <p:spPr/>
+        <p:txBody>
+          <a:bodyPr/>
+          <a:lstStyle/>
+          <a:p>
+            <a:r>
+              <a:rPr lang="en-US" dirty="0" err="1" smtClean="0"/>
               <a:t>Github</a:t>
             </a:r>
             <a:r>
@@ -4507,7 +4959,7 @@
 </p:sld>
 </file>
 
-<file path=ppt/slides/slide6.xml><?xml version="1.0" encoding="utf-8"?>
+<file path=ppt/slides/slide7.xml><?xml version="1.0" encoding="utf-8"?>
 <p:sld xmlns:a="http://schemas.openxmlformats.org/drawingml/2006/main" xmlns:r="http://schemas.openxmlformats.org/officeDocument/2006/relationships" xmlns:p="http://schemas.openxmlformats.org/presentationml/2006/main">
   <p:cSld>
     <p:spTree>
